--- a/common_materials/introduction_personlaization process.pptx
+++ b/common_materials/introduction_personlaization process.pptx
@@ -135,7 +135,7 @@
 <file path=ppt/revisionInfo.xml><?xml version="1.0" encoding="utf-8"?>
 <p1510:revInfo xmlns:a="http://schemas.openxmlformats.org/drawingml/2006/main" xmlns:r="http://schemas.openxmlformats.org/officeDocument/2006/relationships" xmlns:p1510="http://schemas.microsoft.com/office/powerpoint/2015/10/main">
   <p1510:revLst>
-    <p1510:client id="{2F976BA1-AFDB-4E8D-94F0-8ECE9FD61AB9}" v="9" dt="2024-08-04T05:29:59.064"/>
+    <p1510:client id="{2F976BA1-AFDB-4E8D-94F0-8ECE9FD61AB9}" v="18" dt="2024-08-14T05:30:38.685"/>
   </p1510:revLst>
 </p1510:revInfo>
 </file>
@@ -222,7 +222,7 @@
           <a:p>
             <a:fld id="{CA49738D-D75D-40B1-BF46-FC9ACBB15E75}" type="datetimeFigureOut">
               <a:rPr kumimoji="1" lang="ja-JP" altLang="en-US" smtClean="0"/>
-              <a:t>2024/8/4</a:t>
+              <a:t>2024/8/14</a:t>
             </a:fld>
             <a:endParaRPr kumimoji="1" lang="ja-JP" altLang="en-US"/>
           </a:p>
@@ -8058,6 +8058,8 @@
                 <a:solidFill>
                   <a:schemeClr val="tx1"/>
                 </a:solidFill>
+                <a:latin typeface="Times New Roman" panose="02020603050405020304" pitchFamily="18" charset="0"/>
+                <a:cs typeface="Times New Roman" panose="02020603050405020304" pitchFamily="18" charset="0"/>
               </a:rPr>
               <a:t>Customer</a:t>
             </a:r>
@@ -8065,6 +8067,8 @@
               <a:solidFill>
                 <a:schemeClr val="tx1"/>
               </a:solidFill>
+              <a:latin typeface="Times New Roman" panose="02020603050405020304" pitchFamily="18" charset="0"/>
+              <a:cs typeface="Times New Roman" panose="02020603050405020304" pitchFamily="18" charset="0"/>
             </a:endParaRPr>
           </a:p>
         </p:txBody>
@@ -8158,6 +8162,8 @@
                 <a:solidFill>
                   <a:schemeClr val="tx1"/>
                 </a:solidFill>
+                <a:latin typeface="Times New Roman" panose="02020603050405020304" pitchFamily="18" charset="0"/>
+                <a:cs typeface="Times New Roman" panose="02020603050405020304" pitchFamily="18" charset="0"/>
               </a:rPr>
               <a:t>Customer</a:t>
             </a:r>
@@ -8180,6 +8186,8 @@
                 <a:solidFill>
                   <a:schemeClr val="tx1"/>
                 </a:solidFill>
+                <a:latin typeface="Times New Roman" panose="02020603050405020304" pitchFamily="18" charset="0"/>
+                <a:cs typeface="Times New Roman" panose="02020603050405020304" pitchFamily="18" charset="0"/>
               </a:rPr>
               <a:t>Data</a:t>
             </a:r>
@@ -8187,6 +8195,8 @@
               <a:solidFill>
                 <a:schemeClr val="tx1"/>
               </a:solidFill>
+              <a:latin typeface="Times New Roman" panose="02020603050405020304" pitchFamily="18" charset="0"/>
+              <a:cs typeface="Times New Roman" panose="02020603050405020304" pitchFamily="18" charset="0"/>
             </a:endParaRPr>
           </a:p>
         </p:txBody>
@@ -8280,6 +8290,8 @@
                 <a:solidFill>
                   <a:schemeClr val="tx1"/>
                 </a:solidFill>
+                <a:latin typeface="Times New Roman" panose="02020603050405020304" pitchFamily="18" charset="0"/>
+                <a:cs typeface="Times New Roman" panose="02020603050405020304" pitchFamily="18" charset="0"/>
               </a:rPr>
               <a:t>Marketing</a:t>
             </a:r>
@@ -8302,6 +8314,8 @@
                 <a:solidFill>
                   <a:schemeClr val="tx1"/>
                 </a:solidFill>
+                <a:latin typeface="Times New Roman" panose="02020603050405020304" pitchFamily="18" charset="0"/>
+                <a:cs typeface="Times New Roman" panose="02020603050405020304" pitchFamily="18" charset="0"/>
               </a:rPr>
               <a:t>Output</a:t>
             </a:r>
@@ -8309,6 +8323,8 @@
               <a:solidFill>
                 <a:schemeClr val="tx1"/>
               </a:solidFill>
+              <a:latin typeface="Times New Roman" panose="02020603050405020304" pitchFamily="18" charset="0"/>
+              <a:cs typeface="Times New Roman" panose="02020603050405020304" pitchFamily="18" charset="0"/>
             </a:endParaRPr>
           </a:p>
         </p:txBody>
@@ -8523,18 +8539,12 @@
                 <a:spcPts val="600"/>
               </a:spcBef>
             </a:pPr>
-            <a:r>
-              <a:rPr lang="en-US" altLang="ja-JP" dirty="0">
-                <a:solidFill>
-                  <a:schemeClr val="tx1"/>
-                </a:solidFill>
-              </a:rPr>
-              <a:t>Delivery</a:t>
-            </a:r>
             <a:endParaRPr lang="ja-JP" altLang="en-US" dirty="0">
               <a:solidFill>
                 <a:schemeClr val="tx1"/>
               </a:solidFill>
+              <a:latin typeface="Times New Roman" panose="02020603050405020304" pitchFamily="18" charset="0"/>
+              <a:cs typeface="Times New Roman" panose="02020603050405020304" pitchFamily="18" charset="0"/>
             </a:endParaRPr>
           </a:p>
         </p:txBody>
@@ -8749,6 +8759,8 @@
               <a:solidFill>
                 <a:schemeClr val="tx1"/>
               </a:solidFill>
+              <a:latin typeface="Times New Roman" panose="02020603050405020304" pitchFamily="18" charset="0"/>
+              <a:cs typeface="Times New Roman" panose="02020603050405020304" pitchFamily="18" charset="0"/>
             </a:endParaRPr>
           </a:p>
         </p:txBody>
@@ -8842,6 +8854,8 @@
                 <a:solidFill>
                   <a:schemeClr val="tx1"/>
                 </a:solidFill>
+                <a:latin typeface="Times New Roman" panose="02020603050405020304" pitchFamily="18" charset="0"/>
+                <a:cs typeface="Times New Roman" panose="02020603050405020304" pitchFamily="18" charset="0"/>
               </a:rPr>
               <a:t>Customer</a:t>
             </a:r>
@@ -8864,6 +8878,8 @@
                 <a:solidFill>
                   <a:schemeClr val="tx1"/>
                 </a:solidFill>
+                <a:latin typeface="Times New Roman" panose="02020603050405020304" pitchFamily="18" charset="0"/>
+                <a:cs typeface="Times New Roman" panose="02020603050405020304" pitchFamily="18" charset="0"/>
               </a:rPr>
               <a:t>Profile</a:t>
             </a:r>
@@ -8871,6 +8887,8 @@
               <a:solidFill>
                 <a:schemeClr val="tx1"/>
               </a:solidFill>
+              <a:latin typeface="Times New Roman" panose="02020603050405020304" pitchFamily="18" charset="0"/>
+              <a:cs typeface="Times New Roman" panose="02020603050405020304" pitchFamily="18" charset="0"/>
             </a:endParaRPr>
           </a:p>
         </p:txBody>
@@ -9079,18 +9097,12 @@
           <a:lstStyle/>
           <a:p>
             <a:pPr algn="ctr"/>
-            <a:r>
-              <a:rPr lang="en-US" altLang="ja-JP" dirty="0">
-                <a:solidFill>
-                  <a:schemeClr val="tx1"/>
-                </a:solidFill>
-              </a:rPr>
-              <a:t>Processing</a:t>
-            </a:r>
             <a:endParaRPr lang="ja-JP" altLang="en-US" dirty="0">
               <a:solidFill>
                 <a:schemeClr val="tx1"/>
               </a:solidFill>
+              <a:latin typeface="Times New Roman" panose="02020603050405020304" pitchFamily="18" charset="0"/>
+              <a:cs typeface="Times New Roman" panose="02020603050405020304" pitchFamily="18" charset="0"/>
             </a:endParaRPr>
           </a:p>
         </p:txBody>
@@ -9303,6 +9315,8 @@
               <a:solidFill>
                 <a:schemeClr val="tx1"/>
               </a:solidFill>
+              <a:latin typeface="Times New Roman" panose="02020603050405020304" pitchFamily="18" charset="0"/>
+              <a:cs typeface="Times New Roman" panose="02020603050405020304" pitchFamily="18" charset="0"/>
             </a:endParaRPr>
           </a:p>
         </p:txBody>
@@ -9321,7 +9335,7 @@
         </p:nvSpPr>
         <p:spPr>
           <a:xfrm>
-            <a:off x="5409321" y="1361805"/>
+            <a:off x="5437822" y="1393907"/>
             <a:ext cx="1224136" cy="402546"/>
           </a:xfrm>
           <a:prstGeom prst="rect">
@@ -9345,7 +9359,8 @@
             </a:pPr>
             <a:r>
               <a:rPr kumimoji="1" lang="en-US" altLang="ja-JP" dirty="0">
-                <a:latin typeface="+mn-ea"/>
+                <a:latin typeface="Times New Roman" panose="02020603050405020304" pitchFamily="18" charset="0"/>
+                <a:cs typeface="Times New Roman" panose="02020603050405020304" pitchFamily="18" charset="0"/>
               </a:rPr>
               <a:t>Interaction</a:t>
             </a:r>
@@ -9366,7 +9381,7 @@
         </p:nvSpPr>
         <p:spPr>
           <a:xfrm>
-            <a:off x="5309442" y="5813350"/>
+            <a:off x="5255769" y="5805264"/>
             <a:ext cx="1660187" cy="402546"/>
           </a:xfrm>
           <a:prstGeom prst="rect">
@@ -9390,7 +9405,8 @@
             </a:pPr>
             <a:r>
               <a:rPr kumimoji="1" lang="en-US" altLang="ja-JP" dirty="0">
-                <a:latin typeface="+mn-ea"/>
+                <a:latin typeface="Times New Roman" panose="02020603050405020304" pitchFamily="18" charset="0"/>
+                <a:cs typeface="Times New Roman" panose="02020603050405020304" pitchFamily="18" charset="0"/>
               </a:rPr>
               <a:t>Personalization</a:t>
             </a:r>
@@ -9525,6 +9541,8 @@
               <a:solidFill>
                 <a:schemeClr val="tx1"/>
               </a:solidFill>
+              <a:latin typeface="Times New Roman" panose="02020603050405020304" pitchFamily="18" charset="0"/>
+              <a:cs typeface="Times New Roman" panose="02020603050405020304" pitchFamily="18" charset="0"/>
             </a:endParaRPr>
           </a:p>
         </p:txBody>
@@ -9609,6 +9627,8 @@
                 <a:solidFill>
                   <a:schemeClr val="tx1"/>
                 </a:solidFill>
+                <a:latin typeface="Times New Roman" panose="02020603050405020304" pitchFamily="18" charset="0"/>
+                <a:cs typeface="Times New Roman" panose="02020603050405020304" pitchFamily="18" charset="0"/>
               </a:endParaRPr>
             </a:p>
           </p:txBody>
@@ -9651,7 +9671,8 @@
               </a:pPr>
               <a:r>
                 <a:rPr kumimoji="1" lang="en-US" altLang="ja-JP" dirty="0">
-                  <a:latin typeface="+mn-ea"/>
+                  <a:latin typeface="Times New Roman" panose="02020603050405020304" pitchFamily="18" charset="0"/>
+                  <a:cs typeface="Times New Roman" panose="02020603050405020304" pitchFamily="18" charset="0"/>
                 </a:rPr>
                 <a:t>Focus of the study</a:t>
               </a:r>
@@ -9659,6 +9680,98 @@
           </p:txBody>
         </p:sp>
       </p:grpSp>
+      <p:sp>
+        <p:nvSpPr>
+          <p:cNvPr id="2" name="TextBox 1">
+            <a:extLst>
+              <a:ext uri="{FF2B5EF4-FFF2-40B4-BE49-F238E27FC236}">
+                <a16:creationId xmlns:a16="http://schemas.microsoft.com/office/drawing/2014/main" id="{624C9598-AA1C-081C-C69D-8749C8E553D5}"/>
+              </a:ext>
+            </a:extLst>
+          </p:cNvPr>
+          <p:cNvSpPr txBox="1"/>
+          <p:nvPr/>
+        </p:nvSpPr>
+        <p:spPr>
+          <a:xfrm rot="16200000">
+            <a:off x="3215403" y="3580238"/>
+            <a:ext cx="1224136" cy="402546"/>
+          </a:xfrm>
+          <a:prstGeom prst="rect">
+            <a:avLst/>
+          </a:prstGeom>
+          <a:noFill/>
+        </p:spPr>
+        <p:txBody>
+          <a:bodyPr wrap="square" rtlCol="0">
+            <a:spAutoFit/>
+          </a:bodyPr>
+          <a:lstStyle/>
+          <a:p>
+            <a:pPr algn="ctr">
+              <a:lnSpc>
+                <a:spcPct val="120000"/>
+              </a:lnSpc>
+              <a:spcAft>
+                <a:spcPts val="300"/>
+              </a:spcAft>
+            </a:pPr>
+            <a:r>
+              <a:rPr kumimoji="1" lang="en-US" altLang="ja-JP" dirty="0">
+                <a:latin typeface="Times New Roman" panose="02020603050405020304" pitchFamily="18" charset="0"/>
+                <a:cs typeface="Times New Roman" panose="02020603050405020304" pitchFamily="18" charset="0"/>
+              </a:rPr>
+              <a:t>Delivery</a:t>
+            </a:r>
+          </a:p>
+        </p:txBody>
+      </p:sp>
+      <p:sp>
+        <p:nvSpPr>
+          <p:cNvPr id="7" name="TextBox 6">
+            <a:extLst>
+              <a:ext uri="{FF2B5EF4-FFF2-40B4-BE49-F238E27FC236}">
+                <a16:creationId xmlns:a16="http://schemas.microsoft.com/office/drawing/2014/main" id="{090A52A1-54B5-8751-E2FF-50F9447B0BFF}"/>
+              </a:ext>
+            </a:extLst>
+          </p:cNvPr>
+          <p:cNvSpPr txBox="1"/>
+          <p:nvPr/>
+        </p:nvSpPr>
+        <p:spPr>
+          <a:xfrm rot="5400000">
+            <a:off x="7737913" y="3545812"/>
+            <a:ext cx="1224136" cy="402546"/>
+          </a:xfrm>
+          <a:prstGeom prst="rect">
+            <a:avLst/>
+          </a:prstGeom>
+          <a:noFill/>
+        </p:spPr>
+        <p:txBody>
+          <a:bodyPr wrap="square" rtlCol="0">
+            <a:spAutoFit/>
+          </a:bodyPr>
+          <a:lstStyle/>
+          <a:p>
+            <a:pPr algn="ctr">
+              <a:lnSpc>
+                <a:spcPct val="120000"/>
+              </a:lnSpc>
+              <a:spcAft>
+                <a:spcPts val="300"/>
+              </a:spcAft>
+            </a:pPr>
+            <a:r>
+              <a:rPr kumimoji="1" lang="en-US" altLang="ja-JP" dirty="0">
+                <a:latin typeface="Times New Roman" panose="02020603050405020304" pitchFamily="18" charset="0"/>
+                <a:cs typeface="Times New Roman" panose="02020603050405020304" pitchFamily="18" charset="0"/>
+              </a:rPr>
+              <a:t>Processing</a:t>
+            </a:r>
+          </a:p>
+        </p:txBody>
+      </p:sp>
     </p:spTree>
     <p:extLst>
       <p:ext uri="{BB962C8B-B14F-4D97-AF65-F5344CB8AC3E}">
@@ -9716,10 +9829,10 @@
       </p:sp>
       <p:pic>
         <p:nvPicPr>
-          <p:cNvPr id="6" name="Picture 5">
+          <p:cNvPr id="7" name="Picture 6">
             <a:extLst>
               <a:ext uri="{FF2B5EF4-FFF2-40B4-BE49-F238E27FC236}">
-                <a16:creationId xmlns:a16="http://schemas.microsoft.com/office/drawing/2014/main" id="{B0695EAE-BC47-6F1E-8829-3BA71D06276C}"/>
+                <a16:creationId xmlns:a16="http://schemas.microsoft.com/office/drawing/2014/main" id="{EFD91AC9-D341-1F99-7DC9-F8A212971419}"/>
               </a:ext>
             </a:extLst>
           </p:cNvPr>
@@ -9736,7 +9849,7 @@
         </p:blipFill>
         <p:spPr>
           <a:xfrm>
-            <a:off x="479376" y="1124744"/>
+            <a:off x="551207" y="1052736"/>
             <a:ext cx="11089585" cy="4968671"/>
           </a:xfrm>
           <a:prstGeom prst="rect">

--- a/common_materials/introduction_personlaization process.pptx
+++ b/common_materials/introduction_personlaization process.pptx
@@ -222,7 +222,7 @@
           <a:p>
             <a:fld id="{CA49738D-D75D-40B1-BF46-FC9ACBB15E75}" type="datetimeFigureOut">
               <a:rPr kumimoji="1" lang="ja-JP" altLang="en-US" smtClean="0"/>
-              <a:t>2024/8/14</a:t>
+              <a:t>2024/8/19</a:t>
             </a:fld>
             <a:endParaRPr kumimoji="1" lang="ja-JP" altLang="en-US"/>
           </a:p>
@@ -9829,10 +9829,10 @@
       </p:sp>
       <p:pic>
         <p:nvPicPr>
-          <p:cNvPr id="7" name="Picture 6">
+          <p:cNvPr id="4" name="Picture 3">
             <a:extLst>
               <a:ext uri="{FF2B5EF4-FFF2-40B4-BE49-F238E27FC236}">
-                <a16:creationId xmlns:a16="http://schemas.microsoft.com/office/drawing/2014/main" id="{EFD91AC9-D341-1F99-7DC9-F8A212971419}"/>
+                <a16:creationId xmlns:a16="http://schemas.microsoft.com/office/drawing/2014/main" id="{60440663-10B7-B876-9C59-D44F9BE2CA71}"/>
               </a:ext>
             </a:extLst>
           </p:cNvPr>
@@ -9849,8 +9849,8 @@
         </p:blipFill>
         <p:spPr>
           <a:xfrm>
-            <a:off x="551207" y="1052736"/>
-            <a:ext cx="11089585" cy="4968671"/>
+            <a:off x="1991544" y="1484784"/>
+            <a:ext cx="6902805" cy="3187864"/>
           </a:xfrm>
           <a:prstGeom prst="rect">
             <a:avLst/>

--- a/common_materials/introduction_personlaization process.pptx
+++ b/common_materials/introduction_personlaization process.pptx
@@ -222,7 +222,7 @@
           <a:p>
             <a:fld id="{CA49738D-D75D-40B1-BF46-FC9ACBB15E75}" type="datetimeFigureOut">
               <a:rPr kumimoji="1" lang="ja-JP" altLang="en-US" smtClean="0"/>
-              <a:t>2024/8/19</a:t>
+              <a:t>2024/8/22</a:t>
             </a:fld>
             <a:endParaRPr kumimoji="1" lang="ja-JP" altLang="en-US"/>
           </a:p>
@@ -8488,9 +8488,7 @@
             </a:pathLst>
           </a:custGeom>
           <a:solidFill>
-            <a:schemeClr val="bg1">
-              <a:lumMod val="95000"/>
-            </a:schemeClr>
+            <a:srgbClr val="F5F5F5"/>
           </a:solidFill>
           <a:ln w="12700">
             <a:solidFill>
@@ -8708,9 +8706,7 @@
             </a:pathLst>
           </a:custGeom>
           <a:solidFill>
-            <a:schemeClr val="bg1">
-              <a:lumMod val="95000"/>
-            </a:schemeClr>
+            <a:srgbClr val="F5F5F5"/>
           </a:solidFill>
           <a:ln w="12700">
             <a:solidFill>
@@ -9052,7 +9048,7 @@
             </a:pathLst>
           </a:custGeom>
           <a:solidFill>
-            <a:srgbClr val="E1FFFB"/>
+            <a:srgbClr val="F5F5F5"/>
           </a:solidFill>
           <a:ln w="12700">
             <a:solidFill>
@@ -9266,7 +9262,7 @@
             </a:pathLst>
           </a:custGeom>
           <a:solidFill>
-            <a:srgbClr val="E1FFFB"/>
+            <a:srgbClr val="F5F5F5"/>
           </a:solidFill>
           <a:ln w="12700">
             <a:solidFill>
@@ -9335,8 +9331,8 @@
         </p:nvSpPr>
         <p:spPr>
           <a:xfrm>
-            <a:off x="5437822" y="1393907"/>
-            <a:ext cx="1224136" cy="402546"/>
+            <a:off x="5519936" y="1410794"/>
+            <a:ext cx="1224136" cy="362022"/>
           </a:xfrm>
           <a:prstGeom prst="rect">
             <a:avLst/>
@@ -9358,7 +9354,7 @@
               </a:spcAft>
             </a:pPr>
             <a:r>
-              <a:rPr kumimoji="1" lang="en-US" altLang="ja-JP" dirty="0">
+              <a:rPr kumimoji="1" lang="en-US" altLang="ja-JP" sz="1600" dirty="0">
                 <a:latin typeface="Times New Roman" panose="02020603050405020304" pitchFamily="18" charset="0"/>
                 <a:cs typeface="Times New Roman" panose="02020603050405020304" pitchFamily="18" charset="0"/>
               </a:rPr>
@@ -9381,8 +9377,8 @@
         </p:nvSpPr>
         <p:spPr>
           <a:xfrm>
-            <a:off x="5255769" y="5805264"/>
-            <a:ext cx="1660187" cy="402546"/>
+            <a:off x="5233155" y="5805264"/>
+            <a:ext cx="1726941" cy="395749"/>
           </a:xfrm>
           <a:prstGeom prst="rect">
             <a:avLst/>
@@ -9404,7 +9400,7 @@
               </a:spcAft>
             </a:pPr>
             <a:r>
-              <a:rPr kumimoji="1" lang="en-US" altLang="ja-JP" dirty="0">
+              <a:rPr kumimoji="1" lang="en-US" altLang="ja-JP" b="1" dirty="0">
                 <a:latin typeface="Times New Roman" panose="02020603050405020304" pitchFamily="18" charset="0"/>
                 <a:cs typeface="Times New Roman" panose="02020603050405020304" pitchFamily="18" charset="0"/>
               </a:rPr>
@@ -9547,139 +9543,6 @@
           </a:p>
         </p:txBody>
       </p:sp>
-      <p:grpSp>
-        <p:nvGrpSpPr>
-          <p:cNvPr id="36" name="Group 35">
-            <a:extLst>
-              <a:ext uri="{FF2B5EF4-FFF2-40B4-BE49-F238E27FC236}">
-                <a16:creationId xmlns:a16="http://schemas.microsoft.com/office/drawing/2014/main" id="{C887380E-C688-6043-1292-0710EC4F7A68}"/>
-              </a:ext>
-            </a:extLst>
-          </p:cNvPr>
-          <p:cNvGrpSpPr/>
-          <p:nvPr/>
-        </p:nvGrpSpPr>
-        <p:grpSpPr>
-          <a:xfrm>
-            <a:off x="8781131" y="1809017"/>
-            <a:ext cx="2546296" cy="402546"/>
-            <a:chOff x="8446247" y="5602200"/>
-            <a:chExt cx="2546296" cy="402546"/>
-          </a:xfrm>
-        </p:grpSpPr>
-        <p:sp>
-          <p:nvSpPr>
-            <p:cNvPr id="34" name="Rectangle 33">
-              <a:extLst>
-                <a:ext uri="{FF2B5EF4-FFF2-40B4-BE49-F238E27FC236}">
-                  <a16:creationId xmlns:a16="http://schemas.microsoft.com/office/drawing/2014/main" id="{7CC6433B-38DC-FBE5-7356-0CDEA0C265C7}"/>
-                </a:ext>
-              </a:extLst>
-            </p:cNvPr>
-            <p:cNvSpPr/>
-            <p:nvPr/>
-          </p:nvSpPr>
-          <p:spPr>
-            <a:xfrm>
-              <a:off x="8446247" y="5680904"/>
-              <a:ext cx="521924" cy="281746"/>
-            </a:xfrm>
-            <a:prstGeom prst="rect">
-              <a:avLst/>
-            </a:prstGeom>
-            <a:solidFill>
-              <a:srgbClr val="E1FFFB"/>
-            </a:solidFill>
-            <a:ln>
-              <a:noFill/>
-            </a:ln>
-            <a:effectLst/>
-          </p:spPr>
-          <p:style>
-            <a:lnRef idx="2">
-              <a:schemeClr val="accent1">
-                <a:shade val="50000"/>
-              </a:schemeClr>
-            </a:lnRef>
-            <a:fillRef idx="1">
-              <a:schemeClr val="accent1"/>
-            </a:fillRef>
-            <a:effectRef idx="0">
-              <a:schemeClr val="accent1"/>
-            </a:effectRef>
-            <a:fontRef idx="minor">
-              <a:schemeClr val="lt1"/>
-            </a:fontRef>
-          </p:style>
-          <p:txBody>
-            <a:bodyPr rtlCol="0" anchor="ctr"/>
-            <a:lstStyle/>
-            <a:p>
-              <a:pPr algn="l">
-                <a:lnSpc>
-                  <a:spcPct val="120000"/>
-                </a:lnSpc>
-                <a:spcAft>
-                  <a:spcPts val="300"/>
-                </a:spcAft>
-              </a:pPr>
-              <a:endParaRPr kumimoji="1" lang="ja-JP" altLang="en-US" dirty="0">
-                <a:solidFill>
-                  <a:schemeClr val="tx1"/>
-                </a:solidFill>
-                <a:latin typeface="Times New Roman" panose="02020603050405020304" pitchFamily="18" charset="0"/>
-                <a:cs typeface="Times New Roman" panose="02020603050405020304" pitchFamily="18" charset="0"/>
-              </a:endParaRPr>
-            </a:p>
-          </p:txBody>
-        </p:sp>
-        <p:sp>
-          <p:nvSpPr>
-            <p:cNvPr id="35" name="TextBox 34">
-              <a:extLst>
-                <a:ext uri="{FF2B5EF4-FFF2-40B4-BE49-F238E27FC236}">
-                  <a16:creationId xmlns:a16="http://schemas.microsoft.com/office/drawing/2014/main" id="{7FF488F4-7B1E-5125-6A18-7BFE315A165D}"/>
-                </a:ext>
-              </a:extLst>
-            </p:cNvPr>
-            <p:cNvSpPr txBox="1"/>
-            <p:nvPr/>
-          </p:nvSpPr>
-          <p:spPr>
-            <a:xfrm>
-              <a:off x="9021682" y="5602200"/>
-              <a:ext cx="1970861" cy="402546"/>
-            </a:xfrm>
-            <a:prstGeom prst="rect">
-              <a:avLst/>
-            </a:prstGeom>
-            <a:noFill/>
-          </p:spPr>
-          <p:txBody>
-            <a:bodyPr wrap="square" rtlCol="0">
-              <a:spAutoFit/>
-            </a:bodyPr>
-            <a:lstStyle/>
-            <a:p>
-              <a:pPr algn="l">
-                <a:lnSpc>
-                  <a:spcPct val="120000"/>
-                </a:lnSpc>
-                <a:spcAft>
-                  <a:spcPts val="300"/>
-                </a:spcAft>
-              </a:pPr>
-              <a:r>
-                <a:rPr kumimoji="1" lang="en-US" altLang="ja-JP" dirty="0">
-                  <a:latin typeface="Times New Roman" panose="02020603050405020304" pitchFamily="18" charset="0"/>
-                  <a:cs typeface="Times New Roman" panose="02020603050405020304" pitchFamily="18" charset="0"/>
-                </a:rPr>
-                <a:t>Focus of the study</a:t>
-              </a:r>
-            </a:p>
-          </p:txBody>
-        </p:sp>
-      </p:grpSp>
       <p:sp>
         <p:nvSpPr>
           <p:cNvPr id="2" name="TextBox 1">
@@ -9694,8 +9557,8 @@
         </p:nvSpPr>
         <p:spPr>
           <a:xfrm rot="16200000">
-            <a:off x="3215403" y="3580238"/>
-            <a:ext cx="1224136" cy="402546"/>
+            <a:off x="3215403" y="3600500"/>
+            <a:ext cx="1224136" cy="362022"/>
           </a:xfrm>
           <a:prstGeom prst="rect">
             <a:avLst/>
@@ -9717,7 +9580,7 @@
               </a:spcAft>
             </a:pPr>
             <a:r>
-              <a:rPr kumimoji="1" lang="en-US" altLang="ja-JP" dirty="0">
+              <a:rPr kumimoji="1" lang="en-US" altLang="ja-JP" sz="1600" dirty="0">
                 <a:latin typeface="Times New Roman" panose="02020603050405020304" pitchFamily="18" charset="0"/>
                 <a:cs typeface="Times New Roman" panose="02020603050405020304" pitchFamily="18" charset="0"/>
               </a:rPr>
@@ -9763,7 +9626,7 @@
               </a:spcAft>
             </a:pPr>
             <a:r>
-              <a:rPr kumimoji="1" lang="en-US" altLang="ja-JP" dirty="0">
+              <a:rPr kumimoji="1" lang="en-US" altLang="ja-JP" b="1" dirty="0">
                 <a:latin typeface="Times New Roman" panose="02020603050405020304" pitchFamily="18" charset="0"/>
                 <a:cs typeface="Times New Roman" panose="02020603050405020304" pitchFamily="18" charset="0"/>
               </a:rPr>
@@ -9829,10 +9692,10 @@
       </p:sp>
       <p:pic>
         <p:nvPicPr>
-          <p:cNvPr id="4" name="Picture 3">
+          <p:cNvPr id="5" name="Picture 4">
             <a:extLst>
               <a:ext uri="{FF2B5EF4-FFF2-40B4-BE49-F238E27FC236}">
-                <a16:creationId xmlns:a16="http://schemas.microsoft.com/office/drawing/2014/main" id="{60440663-10B7-B876-9C59-D44F9BE2CA71}"/>
+                <a16:creationId xmlns:a16="http://schemas.microsoft.com/office/drawing/2014/main" id="{4E6AFA7E-08CD-F2DE-4219-987F8F53F539}"/>
               </a:ext>
             </a:extLst>
           </p:cNvPr>
@@ -9849,8 +9712,8 @@
         </p:blipFill>
         <p:spPr>
           <a:xfrm>
-            <a:off x="1991544" y="1484784"/>
-            <a:ext cx="6902805" cy="3187864"/>
+            <a:off x="1487488" y="1273064"/>
+            <a:ext cx="8706297" cy="4311872"/>
           </a:xfrm>
           <a:prstGeom prst="rect">
             <a:avLst/>
